--- a/조성현_개인프로젝트_기획_v0.2.1.pptx
+++ b/조성현_개인프로젝트_기획_v0.2.1.pptx
@@ -2,7 +2,7 @@
 <file path=ppt/presentation.xml><?xml version="1.0" encoding="utf-8"?>
 <p:presentation xmlns:r="http://schemas.openxmlformats.org/officeDocument/2006/relationships" xmlns:c="http://schemas.openxmlformats.org/drawingml/2006/chart" xmlns:a="http://schemas.openxmlformats.org/drawingml/2006/main" xmlns:dgm="http://schemas.openxmlformats.org/drawingml/2006/diagram" xmlns:dsp="http://schemas.microsoft.com/office/drawing/2008/diagram" xmlns:p="http://schemas.openxmlformats.org/presentationml/2006/main" embedTrueTypeFonts="1">
   <p:sldMasterIdLst>
-    <p:sldMasterId id="2147483687" r:id="rId1"/>
+    <p:sldMasterId id="2147483673" r:id="rId1"/>
   </p:sldMasterIdLst>
   <p:sldIdLst>
     <p:sldId id="256" r:id="rId2"/>
@@ -12030,7 +12030,7 @@
               <a:rPr lang="ko-KR" altLang="en-US" sz="2500"/>
               <a:t>가축등록</a:t>
             </a:r>
-            <a:endParaRPr lang="ko-KR" altLang="en-US"/>
+            <a:endParaRPr lang="ko-KR" altLang="en-US" sz="2500"/>
           </a:p>
           <a:p>
             <a:pPr marL="444000" lvl="0" indent="-444000">
@@ -12099,7 +12099,11 @@
               </a:rPr>
               <a:t>가축 거래</a:t>
             </a:r>
-            <a:endParaRPr lang="ko-KR" altLang="en-US"/>
+            <a:endParaRPr lang="ko-KR" altLang="en-US" sz="2200">
+              <a:solidFill>
+                <a:srgbClr val="262626"/>
+              </a:solidFill>
+            </a:endParaRPr>
           </a:p>
           <a:p>
             <a:pPr lvl="1">
@@ -12167,7 +12171,7 @@
               <a:rPr lang="ko-KR" altLang="en-US" sz="1500"/>
               <a:t>구매완료</a:t>
             </a:r>
-            <a:endParaRPr lang="ko-KR" altLang="en-US"/>
+            <a:endParaRPr lang="ko-KR" altLang="en-US" sz="1500"/>
           </a:p>
           <a:p>
             <a:pPr lvl="1">
@@ -12615,21 +12619,106 @@
       </p:cxnSp>
       <p:cxnSp>
         <p:nvCxnSpPr>
-          <p:cNvPr id="94" name=""/>
+          <p:cNvPr id="95" name=""/>
+          <p:cNvCxnSpPr/>
+          <p:nvPr/>
+        </p:nvCxnSpPr>
+        <p:spPr>
+          <a:xfrm rot="10800000">
+            <a:off x="5758214" y="4209521"/>
+            <a:ext cx="1314097" cy="0"/>
+          </a:xfrm>
+          <a:prstGeom prst="straightConnector1">
+            <a:avLst/>
+          </a:prstGeom>
+          <a:ln w="19050">
+            <a:solidFill>
+              <a:schemeClr val="accent1"/>
+            </a:solidFill>
+            <a:tailEnd type="arrow"/>
+          </a:ln>
+        </p:spPr>
+        <p:style>
+          <a:lnRef idx="1">
+            <a:schemeClr val="accent1"/>
+          </a:lnRef>
+          <a:fillRef idx="0">
+            <a:schemeClr val="accent1"/>
+          </a:fillRef>
+          <a:effectRef idx="0">
+            <a:schemeClr val="accent1"/>
+          </a:effectRef>
+          <a:fontRef idx="minor">
+            <a:schemeClr val="tx1"/>
+          </a:fontRef>
+        </p:style>
+      </p:cxnSp>
+      <p:sp>
+        <p:nvSpPr>
+          <p:cNvPr id="96" name=""/>
+          <p:cNvSpPr/>
+          <p:nvPr/>
+        </p:nvSpPr>
+        <p:spPr>
+          <a:xfrm>
+            <a:off x="4572000" y="3975980"/>
+            <a:ext cx="1137297" cy="485069"/>
+          </a:xfrm>
+          <a:prstGeom prst="rect">
+            <a:avLst/>
+          </a:prstGeom>
+          <a:ln w="19050">
+            <a:solidFill>
+              <a:schemeClr val="accent1"/>
+            </a:solidFill>
+          </a:ln>
+        </p:spPr>
+        <p:style>
+          <a:lnRef idx="2">
+            <a:schemeClr val="accent1"/>
+          </a:lnRef>
+          <a:fillRef idx="1">
+            <a:schemeClr val="lt1"/>
+          </a:fillRef>
+          <a:effectRef idx="2">
+            <a:schemeClr val="accent1"/>
+          </a:effectRef>
+          <a:fontRef idx="minor">
+            <a:schemeClr val="dk1"/>
+          </a:fontRef>
+        </p:style>
+        <p:txBody>
+          <a:bodyPr anchor="ctr"/>
+          <a:lstStyle/>
+          <a:p>
+            <a:pPr algn="ctr">
+              <a:defRPr/>
+            </a:pPr>
+            <a:r>
+              <a:rPr lang="ko-KR" altLang="en-US" sz="1200"/>
+              <a:t>판매 거절</a:t>
+            </a:r>
+            <a:endParaRPr lang="ko-KR" altLang="en-US" sz="1200"/>
+          </a:p>
+        </p:txBody>
+      </p:sp>
+      <p:cxnSp>
+        <p:nvCxnSpPr>
+          <p:cNvPr id="97" name=""/>
           <p:cNvCxnSpPr>
-            <a:stCxn id="84" idx="3"/>
-            <a:endCxn id="88" idx="3"/>
+            <a:stCxn id="96" idx="0"/>
+            <a:endCxn id="86" idx="0"/>
           </p:cNvCxnSpPr>
           <p:nvPr/>
         </p:nvCxnSpPr>
         <p:spPr>
-          <a:xfrm>
-            <a:off x="7860183" y="2882194"/>
-            <a:ext cx="1588" cy="2866319"/>
+          <a:xfrm rot="5400000" flipH="1" flipV="1">
+            <a:off x="5888842" y="2795448"/>
+            <a:ext cx="432326" cy="1928735"/>
           </a:xfrm>
           <a:prstGeom prst="bentConnector3">
             <a:avLst>
-              <a:gd name="adj1" fmla="val 29327524"/>
+              <a:gd name="adj1" fmla="val 164684"/>
             </a:avLst>
           </a:prstGeom>
           <a:ln w="19050">
@@ -12656,107 +12745,20 @@
       </p:cxnSp>
       <p:cxnSp>
         <p:nvCxnSpPr>
-          <p:cNvPr id="95" name=""/>
-          <p:cNvCxnSpPr/>
-          <p:nvPr/>
-        </p:nvCxnSpPr>
-        <p:spPr>
-          <a:xfrm rot="10800000">
-            <a:off x="5758214" y="4209521"/>
-            <a:ext cx="1314097" cy="0"/>
-          </a:xfrm>
-          <a:prstGeom prst="straightConnector1">
-            <a:avLst/>
-          </a:prstGeom>
-          <a:ln w="19050">
-            <a:solidFill>
-              <a:schemeClr val="accent1"/>
-            </a:solidFill>
-            <a:tailEnd type="arrow"/>
-          </a:ln>
-        </p:spPr>
-        <p:style>
-          <a:lnRef idx="1">
-            <a:schemeClr val="accent1"/>
-          </a:lnRef>
-          <a:fillRef idx="0">
-            <a:schemeClr val="accent1"/>
-          </a:fillRef>
-          <a:effectRef idx="0">
-            <a:schemeClr val="accent1"/>
-          </a:effectRef>
-          <a:fontRef idx="minor">
-            <a:schemeClr val="tx1"/>
-          </a:fontRef>
-        </p:style>
-      </p:cxnSp>
-      <p:sp>
-        <p:nvSpPr>
-          <p:cNvPr id="96" name=""/>
-          <p:cNvSpPr/>
-          <p:nvPr/>
-        </p:nvSpPr>
-        <p:spPr>
-          <a:xfrm>
-            <a:off x="4572000" y="3975980"/>
-            <a:ext cx="1137297" cy="485069"/>
-          </a:xfrm>
-          <a:prstGeom prst="rect">
-            <a:avLst/>
-          </a:prstGeom>
-          <a:ln w="19050">
-            <a:solidFill>
-              <a:schemeClr val="accent1"/>
-            </a:solidFill>
-          </a:ln>
-        </p:spPr>
-        <p:style>
-          <a:lnRef idx="2">
-            <a:schemeClr val="accent1"/>
-          </a:lnRef>
-          <a:fillRef idx="1">
-            <a:schemeClr val="lt1"/>
-          </a:fillRef>
-          <a:effectRef idx="2">
-            <a:schemeClr val="accent1"/>
-          </a:effectRef>
-          <a:fontRef idx="minor">
-            <a:schemeClr val="dk1"/>
-          </a:fontRef>
-        </p:style>
-        <p:txBody>
-          <a:bodyPr anchor="ctr"/>
-          <a:lstStyle/>
-          <a:p>
-            <a:pPr algn="ctr">
-              <a:defRPr/>
-            </a:pPr>
-            <a:r>
-              <a:rPr lang="ko-KR" altLang="en-US" sz="1200"/>
-              <a:t>판매 거절</a:t>
-            </a:r>
-            <a:endParaRPr lang="ko-KR" altLang="en-US" sz="1200"/>
-          </a:p>
-        </p:txBody>
-      </p:sp>
-      <p:cxnSp>
-        <p:nvCxnSpPr>
-          <p:cNvPr id="97" name=""/>
+          <p:cNvPr id="98" name=""/>
           <p:cNvCxnSpPr>
-            <a:stCxn id="96" idx="0"/>
+            <a:stCxn id="84" idx="2"/>
             <a:endCxn id="86" idx="0"/>
           </p:cNvCxnSpPr>
           <p:nvPr/>
         </p:nvCxnSpPr>
         <p:spPr>
-          <a:xfrm rot="5400000" flipH="1" flipV="1">
-            <a:off x="5888842" y="2795448"/>
-            <a:ext cx="432326" cy="1928735"/>
-          </a:xfrm>
-          <a:prstGeom prst="bentConnector3">
-            <a:avLst>
-              <a:gd name="adj1" fmla="val 164684"/>
-            </a:avLst>
+          <a:xfrm rot="16200000" flipH="1">
+            <a:off x="6859911" y="3334189"/>
+            <a:ext cx="418923" cy="2"/>
+          </a:xfrm>
+          <a:prstGeom prst="straightConnector1">
+            <a:avLst/>
           </a:prstGeom>
           <a:ln w="19050">
             <a:solidFill>
